--- a/Slides/[2013182010 김병진]2DGP – 1차 발표.pptx
+++ b/Slides/[2013182010 김병진]2DGP – 1차 발표.pptx
@@ -3687,14 +3687,14 @@
             <p:ph idx="1"/>
             <p:extLst>
               <p:ext uri="{D42A27DB-BD31-4B8C-83A1-F6EECF244321}">
-                <p14:modId xmlns:p14="http://schemas.microsoft.com/office/powerpoint/2010/main" val="1975030166"/>
+                <p14:modId xmlns:p14="http://schemas.microsoft.com/office/powerpoint/2010/main" val="722334459"/>
               </p:ext>
             </p:extLst>
           </p:nvPr>
         </p:nvGraphicFramePr>
         <p:xfrm>
           <a:off x="83473" y="-6047"/>
-          <a:ext cx="10909119" cy="6944172"/>
+          <a:ext cx="10909119" cy="7128802"/>
         </p:xfrm>
         <a:graphic>
           <a:graphicData uri="http://schemas.openxmlformats.org/drawingml/2006/table">
@@ -3996,30 +3996,9 @@
                           <a:latin typeface="+mn-ea"/>
                           <a:ea typeface="+mn-ea"/>
                         </a:rPr>
-                        <a:t>플레이어의 이동과 공격</a:t>
-                      </a:r>
-                      <a:r>
-                        <a:rPr lang="en-US" altLang="ko-KR" sz="1400" dirty="0">
-                          <a:latin typeface="+mn-ea"/>
-                          <a:ea typeface="+mn-ea"/>
-                        </a:rPr>
-                        <a:t>,</a:t>
-                      </a:r>
-                      <a:r>
-                        <a:rPr lang="en-US" altLang="ko-KR" sz="1400" baseline="0" dirty="0">
-                          <a:latin typeface="+mn-ea"/>
-                          <a:ea typeface="+mn-ea"/>
-                        </a:rPr>
-                        <a:t> </a:t>
-                      </a:r>
-                      <a:r>
-                        <a:rPr lang="ko-KR" altLang="en-US" sz="1400" baseline="0" dirty="0">
-                          <a:latin typeface="+mn-ea"/>
-                          <a:ea typeface="+mn-ea"/>
-                        </a:rPr>
-                        <a:t>폭탄사용 구현</a:t>
-                      </a:r>
-                      <a:endParaRPr lang="en-US" altLang="ko-KR" sz="1400" baseline="0" dirty="0">
+                        <a:t>게임 개발을 위한 프레임워크 구축</a:t>
+                      </a:r>
+                      <a:endParaRPr lang="en-US" altLang="ko-KR" sz="1400" dirty="0">
                         <a:latin typeface="+mn-ea"/>
                         <a:ea typeface="+mn-ea"/>
                       </a:endParaRPr>
@@ -4029,88 +4008,34 @@
                         <a:buAutoNum type="arabicPeriod"/>
                       </a:pPr>
                       <a:r>
+                        <a:rPr lang="ko-KR" altLang="en-US" sz="1400" dirty="0">
+                          <a:latin typeface="+mn-ea"/>
+                          <a:ea typeface="+mn-ea"/>
+                        </a:rPr>
+                        <a:t>플레이어의 이동과 공격</a:t>
+                      </a:r>
+                      <a:r>
+                        <a:rPr lang="en-US" altLang="ko-KR" sz="1400" dirty="0">
+                          <a:latin typeface="+mn-ea"/>
+                          <a:ea typeface="+mn-ea"/>
+                        </a:rPr>
+                        <a:t>,</a:t>
+                      </a:r>
+                      <a:r>
+                        <a:rPr lang="en-US" altLang="ko-KR" sz="1400" baseline="0" dirty="0">
+                          <a:latin typeface="+mn-ea"/>
+                          <a:ea typeface="+mn-ea"/>
+                        </a:rPr>
+                        <a:t> </a:t>
+                      </a:r>
+                      <a:r>
                         <a:rPr lang="ko-KR" altLang="en-US" sz="1400" baseline="0" dirty="0">
                           <a:latin typeface="+mn-ea"/>
                           <a:ea typeface="+mn-ea"/>
                         </a:rPr>
-                        <a:t>플레이어의 정보를 나타내기 위한 </a:t>
-                      </a:r>
-                      <a:r>
-                        <a:rPr lang="en-US" altLang="ko-KR" sz="1400" baseline="0" dirty="0">
-                          <a:latin typeface="+mn-ea"/>
-                          <a:ea typeface="+mn-ea"/>
-                        </a:rPr>
-                        <a:t>UI </a:t>
-                      </a:r>
-                      <a:r>
-                        <a:rPr lang="ko-KR" altLang="en-US" sz="1400" baseline="0" dirty="0">
-                          <a:latin typeface="+mn-ea"/>
-                          <a:ea typeface="+mn-ea"/>
-                        </a:rPr>
-                        <a:t>구현 </a:t>
-                      </a:r>
-                      <a:r>
-                        <a:rPr lang="en-US" altLang="ko-KR" sz="1400" baseline="0" dirty="0">
-                          <a:latin typeface="+mn-ea"/>
-                          <a:ea typeface="+mn-ea"/>
-                        </a:rPr>
-                        <a:t>(</a:t>
-                      </a:r>
-                      <a:r>
-                        <a:rPr lang="ko-KR" altLang="en-US" sz="1400" baseline="0" dirty="0">
-                          <a:latin typeface="+mn-ea"/>
-                          <a:ea typeface="+mn-ea"/>
-                        </a:rPr>
-                        <a:t>라이프</a:t>
-                      </a:r>
-                      <a:r>
-                        <a:rPr lang="en-US" altLang="ko-KR" sz="1400" baseline="0" dirty="0">
-                          <a:latin typeface="+mn-ea"/>
-                          <a:ea typeface="+mn-ea"/>
-                        </a:rPr>
-                        <a:t>, </a:t>
-                      </a:r>
-                      <a:r>
-                        <a:rPr lang="ko-KR" altLang="en-US" sz="1400" baseline="0" dirty="0">
-                          <a:latin typeface="+mn-ea"/>
-                          <a:ea typeface="+mn-ea"/>
-                        </a:rPr>
-                        <a:t>파워 게이지</a:t>
-                      </a:r>
-                      <a:r>
-                        <a:rPr lang="en-US" altLang="ko-KR" sz="1400" baseline="0" dirty="0">
-                          <a:latin typeface="+mn-ea"/>
-                          <a:ea typeface="+mn-ea"/>
-                        </a:rPr>
-                        <a:t>,</a:t>
-                      </a:r>
-                      <a:r>
-                        <a:rPr lang="ko-KR" altLang="en-US" sz="1400" baseline="0" dirty="0">
-                          <a:latin typeface="+mn-ea"/>
-                          <a:ea typeface="+mn-ea"/>
-                        </a:rPr>
-                        <a:t> 폭탄 잔량</a:t>
-                      </a:r>
-                      <a:r>
-                        <a:rPr lang="en-US" altLang="ko-KR" sz="1400" baseline="0" dirty="0">
-                          <a:latin typeface="+mn-ea"/>
-                          <a:ea typeface="+mn-ea"/>
-                        </a:rPr>
-                        <a:t>…)</a:t>
-                      </a:r>
-                    </a:p>
-                    <a:p>
-                      <a:pPr marL="342900" indent="-342900" algn="l" latinLnBrk="1">
-                        <a:buAutoNum type="arabicPeriod"/>
-                      </a:pPr>
-                      <a:r>
-                        <a:rPr lang="ko-KR" altLang="en-US" sz="1400" baseline="0" dirty="0">
-                          <a:latin typeface="+mn-ea"/>
-                          <a:ea typeface="+mn-ea"/>
-                        </a:rPr>
-                        <a:t>사운드 출력</a:t>
-                      </a:r>
-                      <a:endParaRPr lang="ko-KR" altLang="en-US" sz="1400" dirty="0">
+                        <a:t>폭탄사용 구현</a:t>
+                      </a:r>
+                      <a:endParaRPr lang="en-US" altLang="ko-KR" sz="1400" baseline="0" dirty="0">
                         <a:latin typeface="+mn-ea"/>
                         <a:ea typeface="+mn-ea"/>
                       </a:endParaRPr>
@@ -4370,8 +4295,11 @@
                           <a:latin typeface="+mn-ea"/>
                           <a:ea typeface="+mn-ea"/>
                         </a:rPr>
-                        <a:t>&amp;</a:t>
-                      </a:r>
+                        <a:t>&amp; UI &amp;</a:t>
+                      </a:r>
+                    </a:p>
+                    <a:p>
+                      <a:pPr algn="ctr" latinLnBrk="1"/>
                       <a:r>
                         <a:rPr lang="ko-KR" altLang="en-US" sz="1800" dirty="0">
                           <a:latin typeface="+mn-ea"/>
@@ -4409,6 +4337,95 @@
                         <a:latin typeface="+mn-ea"/>
                         <a:ea typeface="+mn-ea"/>
                       </a:endParaRPr>
+                    </a:p>
+                    <a:p>
+                      <a:pPr marL="342900" marR="0" lvl="0" indent="-342900" algn="l" defTabSz="914400" rtl="0" eaLnBrk="1" fontAlgn="auto" latinLnBrk="1" hangingPunct="1">
+                        <a:lnSpc>
+                          <a:spcPct val="100000"/>
+                        </a:lnSpc>
+                        <a:spcBef>
+                          <a:spcPts val="0"/>
+                        </a:spcBef>
+                        <a:spcAft>
+                          <a:spcPts val="0"/>
+                        </a:spcAft>
+                        <a:buClrTx/>
+                        <a:buSzTx/>
+                        <a:buFontTx/>
+                        <a:buAutoNum type="arabicPeriod"/>
+                        <a:tabLst/>
+                        <a:defRPr/>
+                      </a:pPr>
+                      <a:r>
+                        <a:rPr lang="ko-KR" altLang="en-US" sz="1400" baseline="0" dirty="0">
+                          <a:latin typeface="+mn-ea"/>
+                          <a:ea typeface="+mn-ea"/>
+                        </a:rPr>
+                        <a:t>플레이어의 정보를 나타내기 위한 </a:t>
+                      </a:r>
+                      <a:r>
+                        <a:rPr lang="en-US" altLang="ko-KR" sz="1400" baseline="0" dirty="0">
+                          <a:latin typeface="+mn-ea"/>
+                          <a:ea typeface="+mn-ea"/>
+                        </a:rPr>
+                        <a:t>UI </a:t>
+                      </a:r>
+                      <a:r>
+                        <a:rPr lang="ko-KR" altLang="en-US" sz="1400" baseline="0" dirty="0">
+                          <a:latin typeface="+mn-ea"/>
+                          <a:ea typeface="+mn-ea"/>
+                        </a:rPr>
+                        <a:t>구현 </a:t>
+                      </a:r>
+                      <a:r>
+                        <a:rPr lang="en-US" altLang="ko-KR" sz="1400" baseline="0" dirty="0">
+                          <a:latin typeface="+mn-ea"/>
+                          <a:ea typeface="+mn-ea"/>
+                        </a:rPr>
+                        <a:t>(</a:t>
+                      </a:r>
+                      <a:r>
+                        <a:rPr lang="ko-KR" altLang="en-US" sz="1400" baseline="0" dirty="0">
+                          <a:latin typeface="+mn-ea"/>
+                          <a:ea typeface="+mn-ea"/>
+                        </a:rPr>
+                        <a:t>라이프</a:t>
+                      </a:r>
+                      <a:r>
+                        <a:rPr lang="en-US" altLang="ko-KR" sz="1400" baseline="0" dirty="0">
+                          <a:latin typeface="+mn-ea"/>
+                          <a:ea typeface="+mn-ea"/>
+                        </a:rPr>
+                        <a:t>, </a:t>
+                      </a:r>
+                      <a:r>
+                        <a:rPr lang="ko-KR" altLang="en-US" sz="1400" baseline="0" dirty="0">
+                          <a:latin typeface="+mn-ea"/>
+                          <a:ea typeface="+mn-ea"/>
+                        </a:rPr>
+                        <a:t>파워 게이지</a:t>
+                      </a:r>
+                      <a:r>
+                        <a:rPr lang="en-US" altLang="ko-KR" sz="1400" baseline="0" dirty="0">
+                          <a:latin typeface="+mn-ea"/>
+                          <a:ea typeface="+mn-ea"/>
+                        </a:rPr>
+                        <a:t>,</a:t>
+                      </a:r>
+                      <a:r>
+                        <a:rPr lang="ko-KR" altLang="en-US" sz="1400" baseline="0" dirty="0">
+                          <a:latin typeface="+mn-ea"/>
+                          <a:ea typeface="+mn-ea"/>
+                        </a:rPr>
+                        <a:t> 폭탄 잔량</a:t>
+                      </a:r>
+                      <a:r>
+                        <a:rPr lang="en-US" altLang="ko-KR" sz="1400" baseline="0" dirty="0">
+                          <a:latin typeface="+mn-ea"/>
+                          <a:ea typeface="+mn-ea"/>
+                        </a:rPr>
+                        <a:t>…)</a:t>
+                      </a:r>
                     </a:p>
                     <a:p>
                       <a:pPr marL="342900" indent="-342900" algn="l" latinLnBrk="1">
